--- a/JavaScript 基础知识/01-变量/Variables.pptx
+++ b/JavaScript 基础知识/01-变量/Variables.pptx
@@ -5,18 +5,22 @@
     <p:sldMasterId id="2147483648" r:id="rId1"/>
   </p:sldMasterIdLst>
   <p:notesMasterIdLst>
-    <p:notesMasterId r:id="rId9"/>
+    <p:notesMasterId r:id="rId13"/>
   </p:notesMasterIdLst>
   <p:handoutMasterIdLst>
-    <p:handoutMasterId r:id="rId10"/>
+    <p:handoutMasterId r:id="rId14"/>
   </p:handoutMasterIdLst>
   <p:sldIdLst>
     <p:sldId id="268" r:id="rId3"/>
-    <p:sldId id="256" r:id="rId4"/>
-    <p:sldId id="267" r:id="rId5"/>
-    <p:sldId id="257" r:id="rId6"/>
-    <p:sldId id="266" r:id="rId7"/>
-    <p:sldId id="265" r:id="rId8"/>
+    <p:sldId id="275" r:id="rId4"/>
+    <p:sldId id="274" r:id="rId5"/>
+    <p:sldId id="256" r:id="rId6"/>
+    <p:sldId id="257" r:id="rId7"/>
+    <p:sldId id="266" r:id="rId8"/>
+    <p:sldId id="265" r:id="rId9"/>
+    <p:sldId id="276" r:id="rId10"/>
+    <p:sldId id="267" r:id="rId11"/>
+    <p:sldId id="277" r:id="rId12"/>
   </p:sldIdLst>
   <p:sldSz cx="12192000" cy="6858000"/>
   <p:notesSz cx="6858000" cy="9144000"/>
@@ -3525,7 +3529,894 @@
 </p:sld>
 </file>
 
+<file path=ppt/slides/slide10.xml><?xml version="1.0" encoding="utf-8"?>
+<p:sld xmlns:a="http://schemas.openxmlformats.org/drawingml/2006/main" xmlns:r="http://schemas.openxmlformats.org/officeDocument/2006/relationships" xmlns:p="http://schemas.openxmlformats.org/presentationml/2006/main">
+  <p:cSld>
+    <p:bg>
+      <p:bgPr>
+        <a:solidFill>
+          <a:srgbClr val="191422"/>
+        </a:solidFill>
+        <a:effectLst/>
+      </p:bgPr>
+    </p:bg>
+    <p:spTree>
+      <p:nvGrpSpPr>
+        <p:cNvPr id="1" name=""/>
+        <p:cNvGrpSpPr/>
+        <p:nvPr/>
+      </p:nvGrpSpPr>
+      <p:grpSpPr/>
+      <p:sp>
+        <p:nvSpPr>
+          <p:cNvPr id="25" name="文本框 24"/>
+          <p:cNvSpPr txBox="1"/>
+          <p:nvPr/>
+        </p:nvSpPr>
+        <p:spPr>
+          <a:xfrm>
+            <a:off x="4123690" y="2514600"/>
+            <a:ext cx="3611880" cy="922020"/>
+          </a:xfrm>
+          <a:prstGeom prst="rect">
+            <a:avLst/>
+          </a:prstGeom>
+          <a:noFill/>
+        </p:spPr>
+        <p:txBody>
+          <a:bodyPr wrap="none" rtlCol="0" anchor="t">
+            <a:spAutoFit/>
+          </a:bodyPr>
+          <a:p>
+            <a:pPr algn="ctr"/>
+            <a:r>
+              <a:rPr lang="zh-CN" altLang="en-US" sz="5400" b="1">
+                <a:gradFill>
+                  <a:gsLst>
+                    <a:gs pos="23000">
+                      <a:srgbClr val="8E00F4"/>
+                    </a:gs>
+                    <a:gs pos="100000">
+                      <a:srgbClr val="FA00CC"/>
+                    </a:gs>
+                  </a:gsLst>
+                  <a:lin ang="0" scaled="0"/>
+                </a:gradFill>
+                <a:latin typeface="微软雅黑" panose="020B0503020204020204" charset="-122"/>
+                <a:ea typeface="微软雅黑" panose="020B0503020204020204" charset="-122"/>
+                <a:sym typeface="+mn-ea"/>
+              </a:rPr>
+              <a:t>变量与常量</a:t>
+            </a:r>
+            <a:endParaRPr lang="zh-CN" altLang="en-US" sz="5400" b="1">
+              <a:gradFill>
+                <a:gsLst>
+                  <a:gs pos="23000">
+                    <a:srgbClr val="8E00F4"/>
+                  </a:gs>
+                  <a:gs pos="100000">
+                    <a:srgbClr val="FA00CC"/>
+                  </a:gs>
+                </a:gsLst>
+                <a:lin ang="0" scaled="0"/>
+              </a:gradFill>
+              <a:latin typeface="微软雅黑" panose="020B0503020204020204" charset="-122"/>
+              <a:ea typeface="微软雅黑" panose="020B0503020204020204" charset="-122"/>
+              <a:sym typeface="+mn-ea"/>
+            </a:endParaRPr>
+          </a:p>
+        </p:txBody>
+      </p:sp>
+    </p:spTree>
+  </p:cSld>
+  <p:clrMapOvr>
+    <a:masterClrMapping/>
+  </p:clrMapOvr>
+  <mc:AlternateContent xmlns:mc="http://schemas.openxmlformats.org/markup-compatibility/2006" xmlns:p159="http://schemas.microsoft.com/office/powerpoint/2015/09/main">
+    <mc:Choice Requires="p159">
+      <p:transition xmlns:p14="http://schemas.microsoft.com/office/powerpoint/2010/main" spd="slow" p14:dur="2000">
+        <p159:morph option="byObject"/>
+      </p:transition>
+    </mc:Choice>
+    <mc:Fallback>
+      <p:transition spd="slow">
+        <p:fade/>
+      </p:transition>
+    </mc:Fallback>
+  </mc:AlternateContent>
+  <p:timing>
+    <p:tnLst>
+      <p:par>
+        <p:cTn id="1" dur="indefinite" restart="never" nodeType="tmRoot"/>
+      </p:par>
+    </p:tnLst>
+  </p:timing>
+</p:sld>
+</file>
+
 <file path=ppt/slides/slide2.xml><?xml version="1.0" encoding="utf-8"?>
+<p:sld xmlns:a="http://schemas.openxmlformats.org/drawingml/2006/main" xmlns:r="http://schemas.openxmlformats.org/officeDocument/2006/relationships" xmlns:p="http://schemas.openxmlformats.org/presentationml/2006/main">
+  <p:cSld>
+    <p:bg>
+      <p:bgPr>
+        <a:solidFill>
+          <a:srgbClr val="191422"/>
+        </a:solidFill>
+        <a:effectLst/>
+      </p:bgPr>
+    </p:bg>
+    <p:spTree>
+      <p:nvGrpSpPr>
+        <p:cNvPr id="1" name=""/>
+        <p:cNvGrpSpPr/>
+        <p:nvPr/>
+      </p:nvGrpSpPr>
+      <p:grpSpPr/>
+      <p:sp>
+        <p:nvSpPr>
+          <p:cNvPr id="3" name="文本框 2"/>
+          <p:cNvSpPr txBox="1"/>
+          <p:nvPr/>
+        </p:nvSpPr>
+        <p:spPr>
+          <a:xfrm>
+            <a:off x="1063625" y="974725"/>
+            <a:ext cx="9773920" cy="521970"/>
+          </a:xfrm>
+          <a:prstGeom prst="rect">
+            <a:avLst/>
+          </a:prstGeom>
+          <a:noFill/>
+        </p:spPr>
+        <p:txBody>
+          <a:bodyPr wrap="square" rtlCol="0">
+            <a:spAutoFit/>
+          </a:bodyPr>
+          <a:p>
+            <a:r>
+              <a:rPr lang="zh-CN" altLang="en-US" sz="2800">
+                <a:solidFill>
+                  <a:srgbClr val="0DC3FF"/>
+                </a:solidFill>
+                <a:latin typeface="楷体" panose="02010609060101010101" charset="-122"/>
+                <a:ea typeface="楷体" panose="02010609060101010101" charset="-122"/>
+                <a:cs typeface="楷体" panose="02010609060101010101" charset="-122"/>
+              </a:rPr>
+              <a:t>变量</a:t>
+            </a:r>
+            <a:r>
+              <a:rPr lang="zh-CN" altLang="en-US" sz="2800">
+                <a:solidFill>
+                  <a:schemeClr val="bg1"/>
+                </a:solidFill>
+                <a:latin typeface="楷体" panose="02010609060101010101" charset="-122"/>
+                <a:ea typeface="楷体" panose="02010609060101010101" charset="-122"/>
+                <a:cs typeface="楷体" panose="02010609060101010101" charset="-122"/>
+              </a:rPr>
+              <a:t>是存在</a:t>
+            </a:r>
+            <a:r>
+              <a:rPr lang="zh-CN" altLang="en-US" sz="2800">
+                <a:solidFill>
+                  <a:srgbClr val="0DC3FF"/>
+                </a:solidFill>
+                <a:latin typeface="楷体" panose="02010609060101010101" charset="-122"/>
+                <a:ea typeface="楷体" panose="02010609060101010101" charset="-122"/>
+                <a:cs typeface="楷体" panose="02010609060101010101" charset="-122"/>
+              </a:rPr>
+              <a:t>堆</a:t>
+            </a:r>
+            <a:r>
+              <a:rPr lang="zh-CN" altLang="en-US" sz="2800">
+                <a:solidFill>
+                  <a:schemeClr val="bg1"/>
+                </a:solidFill>
+                <a:latin typeface="楷体" panose="02010609060101010101" charset="-122"/>
+                <a:ea typeface="楷体" panose="02010609060101010101" charset="-122"/>
+                <a:cs typeface="楷体" panose="02010609060101010101" charset="-122"/>
+              </a:rPr>
+              <a:t>上还是存在</a:t>
+            </a:r>
+            <a:r>
+              <a:rPr lang="zh-CN" altLang="en-US" sz="2800">
+                <a:solidFill>
+                  <a:srgbClr val="0DC3FF"/>
+                </a:solidFill>
+                <a:latin typeface="楷体" panose="02010609060101010101" charset="-122"/>
+                <a:ea typeface="楷体" panose="02010609060101010101" charset="-122"/>
+                <a:cs typeface="楷体" panose="02010609060101010101" charset="-122"/>
+              </a:rPr>
+              <a:t>栈</a:t>
+            </a:r>
+            <a:r>
+              <a:rPr lang="zh-CN" altLang="en-US" sz="2800">
+                <a:solidFill>
+                  <a:schemeClr val="bg1"/>
+                </a:solidFill>
+                <a:latin typeface="楷体" panose="02010609060101010101" charset="-122"/>
+                <a:ea typeface="楷体" panose="02010609060101010101" charset="-122"/>
+                <a:cs typeface="楷体" panose="02010609060101010101" charset="-122"/>
+              </a:rPr>
+              <a:t>上？</a:t>
+            </a:r>
+            <a:endParaRPr lang="zh-CN" altLang="en-US" sz="2800">
+              <a:solidFill>
+                <a:schemeClr val="bg1"/>
+              </a:solidFill>
+              <a:latin typeface="楷体" panose="02010609060101010101" charset="-122"/>
+              <a:ea typeface="楷体" panose="02010609060101010101" charset="-122"/>
+              <a:cs typeface="楷体" panose="02010609060101010101" charset="-122"/>
+            </a:endParaRPr>
+          </a:p>
+        </p:txBody>
+      </p:sp>
+      <p:sp>
+        <p:nvSpPr>
+          <p:cNvPr id="2" name="文本框 1"/>
+          <p:cNvSpPr txBox="1"/>
+          <p:nvPr/>
+        </p:nvSpPr>
+        <p:spPr>
+          <a:xfrm>
+            <a:off x="1131570" y="2122170"/>
+            <a:ext cx="9773920" cy="953135"/>
+          </a:xfrm>
+          <a:prstGeom prst="rect">
+            <a:avLst/>
+          </a:prstGeom>
+          <a:noFill/>
+        </p:spPr>
+        <p:txBody>
+          <a:bodyPr wrap="square" rtlCol="0">
+            <a:spAutoFit/>
+          </a:bodyPr>
+          <a:p>
+            <a:r>
+              <a:rPr lang="zh-CN" altLang="en-US" sz="2800">
+                <a:solidFill>
+                  <a:schemeClr val="bg1"/>
+                </a:solidFill>
+                <a:latin typeface="楷体" panose="02010609060101010101" charset="-122"/>
+                <a:ea typeface="楷体" panose="02010609060101010101" charset="-122"/>
+                <a:cs typeface="楷体" panose="02010609060101010101" charset="-122"/>
+              </a:rPr>
+              <a:t>基本数据类型：栈</a:t>
+            </a:r>
+            <a:br>
+              <a:rPr lang="zh-CN" altLang="en-US" sz="2800">
+                <a:solidFill>
+                  <a:schemeClr val="bg1"/>
+                </a:solidFill>
+                <a:latin typeface="楷体" panose="02010609060101010101" charset="-122"/>
+                <a:ea typeface="楷体" panose="02010609060101010101" charset="-122"/>
+                <a:cs typeface="楷体" panose="02010609060101010101" charset="-122"/>
+              </a:rPr>
+            </a:br>
+            <a:r>
+              <a:rPr lang="zh-CN" altLang="en-US" sz="2800">
+                <a:solidFill>
+                  <a:schemeClr val="bg1"/>
+                </a:solidFill>
+                <a:latin typeface="楷体" panose="02010609060101010101" charset="-122"/>
+                <a:ea typeface="楷体" panose="02010609060101010101" charset="-122"/>
+                <a:cs typeface="楷体" panose="02010609060101010101" charset="-122"/>
+              </a:rPr>
+              <a:t>引用数据类型：堆</a:t>
+            </a:r>
+            <a:endParaRPr lang="zh-CN" altLang="en-US" sz="2800">
+              <a:solidFill>
+                <a:schemeClr val="bg1"/>
+              </a:solidFill>
+              <a:latin typeface="楷体" panose="02010609060101010101" charset="-122"/>
+              <a:ea typeface="楷体" panose="02010609060101010101" charset="-122"/>
+              <a:cs typeface="楷体" panose="02010609060101010101" charset="-122"/>
+            </a:endParaRPr>
+          </a:p>
+        </p:txBody>
+      </p:sp>
+    </p:spTree>
+  </p:cSld>
+  <p:clrMapOvr>
+    <a:masterClrMapping/>
+  </p:clrMapOvr>
+  <mc:AlternateContent xmlns:mc="http://schemas.openxmlformats.org/markup-compatibility/2006" xmlns:p159="http://schemas.microsoft.com/office/powerpoint/2015/09/main">
+    <mc:Choice Requires="p159">
+      <p:transition xmlns:p14="http://schemas.microsoft.com/office/powerpoint/2010/main" spd="slow" p14:dur="2000">
+        <p159:morph option="byObject"/>
+      </p:transition>
+    </mc:Choice>
+    <mc:Fallback>
+      <p:transition spd="slow">
+        <p:fade/>
+      </p:transition>
+    </mc:Fallback>
+  </mc:AlternateContent>
+  <p:timing>
+    <p:tnLst>
+      <p:par>
+        <p:cTn id="1" dur="indefinite" restart="never" nodeType="tmRoot">
+          <p:childTnLst>
+            <p:seq concurrent="1" nextAc="seek">
+              <p:cTn id="2" dur="indefinite" nodeType="mainSeq">
+                <p:childTnLst>
+                  <p:par>
+                    <p:cTn id="3" fill="hold">
+                      <p:stCondLst>
+                        <p:cond delay="indefinite"/>
+                        <p:cond evt="onBegin" delay="0">
+                          <p:tn val="2"/>
+                        </p:cond>
+                      </p:stCondLst>
+                      <p:childTnLst>
+                        <p:par>
+                          <p:cTn id="4" fill="hold">
+                            <p:stCondLst>
+                              <p:cond delay="0"/>
+                            </p:stCondLst>
+                            <p:childTnLst>
+                              <p:par>
+                                <p:cTn id="5" presetID="29" presetClass="entr" presetSubtype="0" fill="hold" grpId="0" nodeType="withEffect">
+                                  <p:stCondLst>
+                                    <p:cond delay="0"/>
+                                  </p:stCondLst>
+                                  <p:childTnLst>
+                                    <p:set>
+                                      <p:cBhvr>
+                                        <p:cTn id="6" dur="500" fill="hold">
+                                          <p:stCondLst>
+                                            <p:cond delay="0"/>
+                                          </p:stCondLst>
+                                        </p:cTn>
+                                        <p:tgtEl>
+                                          <p:spTgt spid="3"/>
+                                        </p:tgtEl>
+                                        <p:attrNameLst>
+                                          <p:attrName>style.visibility</p:attrName>
+                                        </p:attrNameLst>
+                                      </p:cBhvr>
+                                      <p:to>
+                                        <p:strVal val="visible"/>
+                                      </p:to>
+                                    </p:set>
+                                    <p:anim calcmode="lin" valueType="num">
+                                      <p:cBhvr>
+                                        <p:cTn id="7" dur="500" fill="hold"/>
+                                        <p:tgtEl>
+                                          <p:spTgt spid="3"/>
+                                        </p:tgtEl>
+                                        <p:attrNameLst>
+                                          <p:attrName>ppt_x</p:attrName>
+                                        </p:attrNameLst>
+                                      </p:cBhvr>
+                                      <p:tavLst>
+                                        <p:tav tm="0">
+                                          <p:val>
+                                            <p:strVal val="#ppt_x-.2"/>
+                                          </p:val>
+                                        </p:tav>
+                                        <p:tav tm="100000">
+                                          <p:val>
+                                            <p:strVal val="#ppt_x"/>
+                                          </p:val>
+                                        </p:tav>
+                                      </p:tavLst>
+                                    </p:anim>
+                                    <p:anim calcmode="lin" valueType="num">
+                                      <p:cBhvr>
+                                        <p:cTn id="8" dur="500" fill="hold"/>
+                                        <p:tgtEl>
+                                          <p:spTgt spid="3"/>
+                                        </p:tgtEl>
+                                        <p:attrNameLst>
+                                          <p:attrName>ppt_y</p:attrName>
+                                        </p:attrNameLst>
+                                      </p:cBhvr>
+                                      <p:tavLst>
+                                        <p:tav tm="0">
+                                          <p:val>
+                                            <p:strVal val="#ppt_y"/>
+                                          </p:val>
+                                        </p:tav>
+                                        <p:tav tm="100000">
+                                          <p:val>
+                                            <p:strVal val="#ppt_y"/>
+                                          </p:val>
+                                        </p:tav>
+                                      </p:tavLst>
+                                    </p:anim>
+                                    <p:animEffect transition="in" filter="wipe(right)" prLst="gradientSize: 0.1">
+                                      <p:cBhvr>
+                                        <p:cTn id="9" dur="500"/>
+                                        <p:tgtEl>
+                                          <p:spTgt spid="3"/>
+                                        </p:tgtEl>
+                                      </p:cBhvr>
+                                    </p:animEffect>
+                                  </p:childTnLst>
+                                </p:cTn>
+                              </p:par>
+                            </p:childTnLst>
+                          </p:cTn>
+                        </p:par>
+                      </p:childTnLst>
+                    </p:cTn>
+                  </p:par>
+                  <p:par>
+                    <p:cTn id="10" fill="hold">
+                      <p:stCondLst>
+                        <p:cond delay="indefinite"/>
+                      </p:stCondLst>
+                      <p:childTnLst>
+                        <p:par>
+                          <p:cTn id="11" fill="hold">
+                            <p:stCondLst>
+                              <p:cond delay="0"/>
+                            </p:stCondLst>
+                            <p:childTnLst>
+                              <p:par>
+                                <p:cTn id="12" presetID="29" presetClass="entr" presetSubtype="0" fill="hold" grpId="0" nodeType="clickEffect">
+                                  <p:stCondLst>
+                                    <p:cond delay="0"/>
+                                  </p:stCondLst>
+                                  <p:childTnLst>
+                                    <p:set>
+                                      <p:cBhvr>
+                                        <p:cTn id="13" dur="1" fill="hold">
+                                          <p:stCondLst>
+                                            <p:cond delay="0"/>
+                                          </p:stCondLst>
+                                        </p:cTn>
+                                        <p:tgtEl>
+                                          <p:spTgt spid="2"/>
+                                        </p:tgtEl>
+                                        <p:attrNameLst>
+                                          <p:attrName>style.visibility</p:attrName>
+                                        </p:attrNameLst>
+                                      </p:cBhvr>
+                                      <p:to>
+                                        <p:strVal val="visible"/>
+                                      </p:to>
+                                    </p:set>
+                                    <p:anim calcmode="lin" valueType="num">
+                                      <p:cBhvr>
+                                        <p:cTn id="14" dur="1000" fill="hold"/>
+                                        <p:tgtEl>
+                                          <p:spTgt spid="2"/>
+                                        </p:tgtEl>
+                                        <p:attrNameLst>
+                                          <p:attrName>ppt_x</p:attrName>
+                                        </p:attrNameLst>
+                                      </p:cBhvr>
+                                      <p:tavLst>
+                                        <p:tav tm="0">
+                                          <p:val>
+                                            <p:strVal val="#ppt_x-.2"/>
+                                          </p:val>
+                                        </p:tav>
+                                        <p:tav tm="100000">
+                                          <p:val>
+                                            <p:strVal val="#ppt_x"/>
+                                          </p:val>
+                                        </p:tav>
+                                      </p:tavLst>
+                                    </p:anim>
+                                    <p:anim calcmode="lin" valueType="num">
+                                      <p:cBhvr>
+                                        <p:cTn id="15" dur="1000" fill="hold"/>
+                                        <p:tgtEl>
+                                          <p:spTgt spid="2"/>
+                                        </p:tgtEl>
+                                        <p:attrNameLst>
+                                          <p:attrName>ppt_y</p:attrName>
+                                        </p:attrNameLst>
+                                      </p:cBhvr>
+                                      <p:tavLst>
+                                        <p:tav tm="0">
+                                          <p:val>
+                                            <p:strVal val="#ppt_y"/>
+                                          </p:val>
+                                        </p:tav>
+                                        <p:tav tm="100000">
+                                          <p:val>
+                                            <p:strVal val="#ppt_y"/>
+                                          </p:val>
+                                        </p:tav>
+                                      </p:tavLst>
+                                    </p:anim>
+                                    <p:animEffect transition="in" filter="wipe(right)" prLst="gradientSize: 0.1">
+                                      <p:cBhvr>
+                                        <p:cTn id="16" dur="1000"/>
+                                        <p:tgtEl>
+                                          <p:spTgt spid="2"/>
+                                        </p:tgtEl>
+                                      </p:cBhvr>
+                                    </p:animEffect>
+                                  </p:childTnLst>
+                                </p:cTn>
+                              </p:par>
+                            </p:childTnLst>
+                          </p:cTn>
+                        </p:par>
+                      </p:childTnLst>
+                    </p:cTn>
+                  </p:par>
+                </p:childTnLst>
+              </p:cTn>
+              <p:prevCondLst>
+                <p:cond evt="onPrev" delay="0">
+                  <p:tgtEl>
+                    <p:sldTgt/>
+                  </p:tgtEl>
+                </p:cond>
+              </p:prevCondLst>
+              <p:nextCondLst>
+                <p:cond evt="onNext" delay="0">
+                  <p:tgtEl>
+                    <p:sldTgt/>
+                  </p:tgtEl>
+                </p:cond>
+              </p:nextCondLst>
+            </p:seq>
+          </p:childTnLst>
+        </p:cTn>
+      </p:par>
+    </p:tnLst>
+    <p:bldLst>
+      <p:bldP spid="3" grpId="0"/>
+      <p:bldP spid="2" grpId="0"/>
+    </p:bldLst>
+  </p:timing>
+</p:sld>
+</file>
+
+<file path=ppt/slides/slide3.xml><?xml version="1.0" encoding="utf-8"?>
+<p:sld xmlns:a="http://schemas.openxmlformats.org/drawingml/2006/main" xmlns:r="http://schemas.openxmlformats.org/officeDocument/2006/relationships" xmlns:p="http://schemas.openxmlformats.org/presentationml/2006/main">
+  <p:cSld>
+    <p:bg>
+      <p:bgPr>
+        <a:solidFill>
+          <a:srgbClr val="191422"/>
+        </a:solidFill>
+        <a:effectLst/>
+      </p:bgPr>
+    </p:bg>
+    <p:spTree>
+      <p:nvGrpSpPr>
+        <p:cNvPr id="1" name=""/>
+        <p:cNvGrpSpPr/>
+        <p:nvPr/>
+      </p:nvGrpSpPr>
+      <p:grpSpPr/>
+      <p:sp>
+        <p:nvSpPr>
+          <p:cNvPr id="3" name="文本框 2"/>
+          <p:cNvSpPr txBox="1"/>
+          <p:nvPr/>
+        </p:nvSpPr>
+        <p:spPr>
+          <a:xfrm>
+            <a:off x="1063625" y="974725"/>
+            <a:ext cx="9773920" cy="3538220"/>
+          </a:xfrm>
+          <a:prstGeom prst="rect">
+            <a:avLst/>
+          </a:prstGeom>
+          <a:noFill/>
+        </p:spPr>
+        <p:txBody>
+          <a:bodyPr wrap="square" rtlCol="0">
+            <a:spAutoFit/>
+          </a:bodyPr>
+          <a:p>
+            <a:r>
+              <a:rPr lang="zh-CN" altLang="en-US" sz="2800">
+                <a:solidFill>
+                  <a:schemeClr val="bg1"/>
+                </a:solidFill>
+                <a:latin typeface="楷体" panose="02010609060101010101" charset="-122"/>
+                <a:ea typeface="楷体" panose="02010609060101010101" charset="-122"/>
+                <a:cs typeface="楷体" panose="02010609060101010101" charset="-122"/>
+              </a:rPr>
+              <a:t>JavaScript values in </a:t>
+            </a:r>
+            <a:r>
+              <a:rPr lang="zh-CN" altLang="en-US" sz="2800">
+                <a:solidFill>
+                  <a:srgbClr val="00B0F0"/>
+                </a:solidFill>
+                <a:latin typeface="楷体" panose="02010609060101010101" charset="-122"/>
+                <a:ea typeface="楷体" panose="02010609060101010101" charset="-122"/>
+                <a:cs typeface="楷体" panose="02010609060101010101" charset="-122"/>
+              </a:rPr>
+              <a:t>V8</a:t>
+            </a:r>
+            <a:r>
+              <a:rPr lang="zh-CN" altLang="en-US" sz="2800">
+                <a:solidFill>
+                  <a:schemeClr val="bg1"/>
+                </a:solidFill>
+                <a:latin typeface="楷体" panose="02010609060101010101" charset="-122"/>
+                <a:ea typeface="楷体" panose="02010609060101010101" charset="-122"/>
+                <a:cs typeface="楷体" panose="02010609060101010101" charset="-122"/>
+              </a:rPr>
+              <a:t> are represented </a:t>
+            </a:r>
+            <a:r>
+              <a:rPr lang="zh-CN" altLang="en-US" sz="2800">
+                <a:solidFill>
+                  <a:srgbClr val="D390FE"/>
+                </a:solidFill>
+                <a:latin typeface="楷体" panose="02010609060101010101" charset="-122"/>
+                <a:ea typeface="楷体" panose="02010609060101010101" charset="-122"/>
+                <a:cs typeface="楷体" panose="02010609060101010101" charset="-122"/>
+              </a:rPr>
+              <a:t>as objects and allocated on the V8 heap</a:t>
+            </a:r>
+            <a:r>
+              <a:rPr lang="zh-CN" altLang="en-US" sz="2800">
+                <a:solidFill>
+                  <a:schemeClr val="bg1"/>
+                </a:solidFill>
+                <a:latin typeface="楷体" panose="02010609060101010101" charset="-122"/>
+                <a:ea typeface="楷体" panose="02010609060101010101" charset="-122"/>
+                <a:cs typeface="楷体" panose="02010609060101010101" charset="-122"/>
+              </a:rPr>
+              <a:t>, no matter if they are objects, arrays, numbers or strings. This allows us to represent any value as a pointer to an object.</a:t>
+            </a:r>
+            <a:br>
+              <a:rPr lang="zh-CN" altLang="en-US" sz="2800">
+                <a:solidFill>
+                  <a:schemeClr val="bg1"/>
+                </a:solidFill>
+                <a:latin typeface="楷体" panose="02010609060101010101" charset="-122"/>
+                <a:ea typeface="楷体" panose="02010609060101010101" charset="-122"/>
+                <a:cs typeface="楷体" panose="02010609060101010101" charset="-122"/>
+              </a:rPr>
+            </a:br>
+            <a:br>
+              <a:rPr lang="zh-CN" altLang="en-US" sz="2800">
+                <a:solidFill>
+                  <a:schemeClr val="bg1"/>
+                </a:solidFill>
+                <a:latin typeface="楷体" panose="02010609060101010101" charset="-122"/>
+                <a:ea typeface="楷体" panose="02010609060101010101" charset="-122"/>
+                <a:cs typeface="楷体" panose="02010609060101010101" charset="-122"/>
+              </a:rPr>
+            </a:br>
+            <a:r>
+              <a:rPr lang="zh-CN" altLang="en-US" sz="2800">
+                <a:solidFill>
+                  <a:srgbClr val="00B0F0"/>
+                </a:solidFill>
+                <a:latin typeface="楷体" panose="02010609060101010101" charset="-122"/>
+                <a:ea typeface="楷体" panose="02010609060101010101" charset="-122"/>
+                <a:cs typeface="楷体" panose="02010609060101010101" charset="-122"/>
+              </a:rPr>
+              <a:t>V8</a:t>
+            </a:r>
+            <a:r>
+              <a:rPr lang="zh-CN" altLang="en-US" sz="2800">
+                <a:solidFill>
+                  <a:schemeClr val="bg1"/>
+                </a:solidFill>
+                <a:latin typeface="楷体" panose="02010609060101010101" charset="-122"/>
+                <a:ea typeface="楷体" panose="02010609060101010101" charset="-122"/>
+                <a:cs typeface="楷体" panose="02010609060101010101" charset="-122"/>
+              </a:rPr>
+              <a:t>中的JavaScript的值以对象的形式</a:t>
+            </a:r>
+            <a:r>
+              <a:rPr lang="zh-CN" altLang="en-US" sz="2800">
+                <a:solidFill>
+                  <a:schemeClr val="bg1"/>
+                </a:solidFill>
+                <a:latin typeface="楷体" panose="02010609060101010101" charset="-122"/>
+                <a:ea typeface="楷体" panose="02010609060101010101" charset="-122"/>
+                <a:cs typeface="楷体" panose="02010609060101010101" charset="-122"/>
+                <a:sym typeface="+mn-ea"/>
+              </a:rPr>
+              <a:t>分配在</a:t>
+            </a:r>
+            <a:r>
+              <a:rPr lang="zh-CN" altLang="en-US" sz="2800">
+                <a:solidFill>
+                  <a:schemeClr val="bg1"/>
+                </a:solidFill>
+                <a:latin typeface="楷体" panose="02010609060101010101" charset="-122"/>
+                <a:ea typeface="楷体" panose="02010609060101010101" charset="-122"/>
+                <a:cs typeface="楷体" panose="02010609060101010101" charset="-122"/>
+              </a:rPr>
+              <a:t>V8的堆上，无论它们是对象，数组，数字或字符串。这允许我们将任何值表示为对象的</a:t>
+            </a:r>
+            <a:r>
+              <a:rPr lang="zh-CN" altLang="en-US" sz="2800">
+                <a:solidFill>
+                  <a:srgbClr val="D390FE"/>
+                </a:solidFill>
+                <a:latin typeface="楷体" panose="02010609060101010101" charset="-122"/>
+                <a:ea typeface="楷体" panose="02010609060101010101" charset="-122"/>
+                <a:cs typeface="楷体" panose="02010609060101010101" charset="-122"/>
+              </a:rPr>
+              <a:t>指针</a:t>
+            </a:r>
+            <a:r>
+              <a:rPr lang="zh-CN" altLang="en-US" sz="2800">
+                <a:solidFill>
+                  <a:schemeClr val="bg1"/>
+                </a:solidFill>
+                <a:latin typeface="楷体" panose="02010609060101010101" charset="-122"/>
+                <a:ea typeface="楷体" panose="02010609060101010101" charset="-122"/>
+                <a:cs typeface="楷体" panose="02010609060101010101" charset="-122"/>
+              </a:rPr>
+              <a:t>。</a:t>
+            </a:r>
+            <a:endParaRPr lang="zh-CN" altLang="en-US" sz="2800">
+              <a:solidFill>
+                <a:schemeClr val="bg1"/>
+              </a:solidFill>
+              <a:latin typeface="楷体" panose="02010609060101010101" charset="-122"/>
+              <a:ea typeface="楷体" panose="02010609060101010101" charset="-122"/>
+              <a:cs typeface="楷体" panose="02010609060101010101" charset="-122"/>
+            </a:endParaRPr>
+          </a:p>
+        </p:txBody>
+      </p:sp>
+    </p:spTree>
+  </p:cSld>
+  <p:clrMapOvr>
+    <a:masterClrMapping/>
+  </p:clrMapOvr>
+  <mc:AlternateContent xmlns:mc="http://schemas.openxmlformats.org/markup-compatibility/2006" xmlns:p159="http://schemas.microsoft.com/office/powerpoint/2015/09/main">
+    <mc:Choice Requires="p159">
+      <p:transition xmlns:p14="http://schemas.microsoft.com/office/powerpoint/2010/main" spd="slow" p14:dur="2000">
+        <p159:morph option="byObject"/>
+      </p:transition>
+    </mc:Choice>
+    <mc:Fallback>
+      <p:transition spd="slow">
+        <p:fade/>
+      </p:transition>
+    </mc:Fallback>
+  </mc:AlternateContent>
+  <p:timing>
+    <p:tnLst>
+      <p:par>
+        <p:cTn id="1" dur="indefinite" restart="never" nodeType="tmRoot">
+          <p:childTnLst>
+            <p:seq concurrent="1" nextAc="seek">
+              <p:cTn id="2" dur="indefinite" nodeType="mainSeq">
+                <p:childTnLst>
+                  <p:par>
+                    <p:cTn id="3" fill="hold">
+                      <p:stCondLst>
+                        <p:cond delay="indefinite"/>
+                        <p:cond evt="onBegin" delay="0">
+                          <p:tn val="2"/>
+                        </p:cond>
+                      </p:stCondLst>
+                      <p:childTnLst>
+                        <p:par>
+                          <p:cTn id="4" fill="hold">
+                            <p:stCondLst>
+                              <p:cond delay="0"/>
+                            </p:stCondLst>
+                            <p:childTnLst>
+                              <p:par>
+                                <p:cTn id="5" presetID="29" presetClass="entr" presetSubtype="0" fill="hold" grpId="0" nodeType="afterEffect">
+                                  <p:stCondLst>
+                                    <p:cond delay="0"/>
+                                  </p:stCondLst>
+                                  <p:childTnLst>
+                                    <p:set>
+                                      <p:cBhvr>
+                                        <p:cTn id="6" dur="1" fill="hold">
+                                          <p:stCondLst>
+                                            <p:cond delay="0"/>
+                                          </p:stCondLst>
+                                        </p:cTn>
+                                        <p:tgtEl>
+                                          <p:spTgt spid="3"/>
+                                        </p:tgtEl>
+                                        <p:attrNameLst>
+                                          <p:attrName>style.visibility</p:attrName>
+                                        </p:attrNameLst>
+                                      </p:cBhvr>
+                                      <p:to>
+                                        <p:strVal val="visible"/>
+                                      </p:to>
+                                    </p:set>
+                                    <p:anim calcmode="lin" valueType="num">
+                                      <p:cBhvr>
+                                        <p:cTn id="7" dur="1000" fill="hold"/>
+                                        <p:tgtEl>
+                                          <p:spTgt spid="3"/>
+                                        </p:tgtEl>
+                                        <p:attrNameLst>
+                                          <p:attrName>ppt_x</p:attrName>
+                                        </p:attrNameLst>
+                                      </p:cBhvr>
+                                      <p:tavLst>
+                                        <p:tav tm="0">
+                                          <p:val>
+                                            <p:strVal val="#ppt_x-.2"/>
+                                          </p:val>
+                                        </p:tav>
+                                        <p:tav tm="100000">
+                                          <p:val>
+                                            <p:strVal val="#ppt_x"/>
+                                          </p:val>
+                                        </p:tav>
+                                      </p:tavLst>
+                                    </p:anim>
+                                    <p:anim calcmode="lin" valueType="num">
+                                      <p:cBhvr>
+                                        <p:cTn id="8" dur="1000" fill="hold"/>
+                                        <p:tgtEl>
+                                          <p:spTgt spid="3"/>
+                                        </p:tgtEl>
+                                        <p:attrNameLst>
+                                          <p:attrName>ppt_y</p:attrName>
+                                        </p:attrNameLst>
+                                      </p:cBhvr>
+                                      <p:tavLst>
+                                        <p:tav tm="0">
+                                          <p:val>
+                                            <p:strVal val="#ppt_y"/>
+                                          </p:val>
+                                        </p:tav>
+                                        <p:tav tm="100000">
+                                          <p:val>
+                                            <p:strVal val="#ppt_y"/>
+                                          </p:val>
+                                        </p:tav>
+                                      </p:tavLst>
+                                    </p:anim>
+                                    <p:animEffect transition="in" filter="wipe(right)" prLst="gradientSize: 0.1">
+                                      <p:cBhvr>
+                                        <p:cTn id="9" dur="1000"/>
+                                        <p:tgtEl>
+                                          <p:spTgt spid="3"/>
+                                        </p:tgtEl>
+                                      </p:cBhvr>
+                                    </p:animEffect>
+                                  </p:childTnLst>
+                                </p:cTn>
+                              </p:par>
+                            </p:childTnLst>
+                          </p:cTn>
+                        </p:par>
+                      </p:childTnLst>
+                    </p:cTn>
+                  </p:par>
+                </p:childTnLst>
+              </p:cTn>
+              <p:prevCondLst>
+                <p:cond evt="onPrev" delay="0">
+                  <p:tgtEl>
+                    <p:sldTgt/>
+                  </p:tgtEl>
+                </p:cond>
+              </p:prevCondLst>
+              <p:nextCondLst>
+                <p:cond evt="onNext" delay="0">
+                  <p:tgtEl>
+                    <p:sldTgt/>
+                  </p:tgtEl>
+                </p:cond>
+              </p:nextCondLst>
+            </p:seq>
+          </p:childTnLst>
+        </p:cTn>
+      </p:par>
+    </p:tnLst>
+    <p:bldLst>
+      <p:bldP spid="3" grpId="0"/>
+    </p:bldLst>
+  </p:timing>
+</p:sld>
+</file>
+
+<file path=ppt/slides/slide4.xml><?xml version="1.0" encoding="utf-8"?>
 <p:sld xmlns:a="http://schemas.openxmlformats.org/drawingml/2006/main" xmlns:r="http://schemas.openxmlformats.org/officeDocument/2006/relationships" xmlns:p="http://schemas.openxmlformats.org/presentationml/2006/main">
   <p:cSld>
     <p:bg>
@@ -3609,6 +4500,36 @@
               <a:bodyPr lIns="0" tIns="0" bIns="1224280" rtlCol="0" anchor="ctr"/>
               <a:p>
                 <a:pPr algn="ctr"/>
+                <a:r>
+                  <a:rPr lang="zh-CN" altLang="en-US" sz="3200" b="1">
+                    <a:solidFill>
+                      <a:srgbClr val="00B0F0"/>
+                    </a:solidFill>
+                    <a:latin typeface="楷体" panose="02010609060101010101" charset="-122"/>
+                    <a:ea typeface="楷体" panose="02010609060101010101" charset="-122"/>
+                  </a:rPr>
+                  <a:t>变</a:t>
+                </a:r>
+                <a:r>
+                  <a:rPr lang="en-US" altLang="zh-CN" sz="3200" b="1">
+                    <a:solidFill>
+                      <a:srgbClr val="00B0F0"/>
+                    </a:solidFill>
+                    <a:latin typeface="楷体" panose="02010609060101010101" charset="-122"/>
+                    <a:ea typeface="楷体" panose="02010609060101010101" charset="-122"/>
+                  </a:rPr>
+                  <a:t>/</a:t>
+                </a:r>
+                <a:r>
+                  <a:rPr lang="zh-CN" altLang="en-US" sz="3200" b="1">
+                    <a:solidFill>
+                      <a:srgbClr val="00B0F0"/>
+                    </a:solidFill>
+                    <a:latin typeface="楷体" panose="02010609060101010101" charset="-122"/>
+                    <a:ea typeface="楷体" panose="02010609060101010101" charset="-122"/>
+                  </a:rPr>
+                  <a:t>常量</a:t>
+                </a:r>
                 <a:endParaRPr lang="zh-CN" altLang="en-US" sz="3200" b="1">
                   <a:solidFill>
                     <a:srgbClr val="00B0F0"/>
@@ -4292,532 +5213,7 @@
 </p:sld>
 </file>
 
-<file path=ppt/slides/slide3.xml><?xml version="1.0" encoding="utf-8"?>
-<p:sld xmlns:a="http://schemas.openxmlformats.org/drawingml/2006/main" xmlns:r="http://schemas.openxmlformats.org/officeDocument/2006/relationships" xmlns:p="http://schemas.openxmlformats.org/presentationml/2006/main">
-  <p:cSld>
-    <p:bg>
-      <p:bgPr>
-        <a:solidFill>
-          <a:srgbClr val="191422"/>
-        </a:solidFill>
-        <a:effectLst/>
-      </p:bgPr>
-    </p:bg>
-    <p:spTree>
-      <p:nvGrpSpPr>
-        <p:cNvPr id="1" name=""/>
-        <p:cNvGrpSpPr/>
-        <p:nvPr/>
-      </p:nvGrpSpPr>
-      <p:grpSpPr/>
-      <p:sp>
-        <p:nvSpPr>
-          <p:cNvPr id="3" name="文本框 2"/>
-          <p:cNvSpPr txBox="1"/>
-          <p:nvPr/>
-        </p:nvSpPr>
-        <p:spPr>
-          <a:xfrm>
-            <a:off x="1132840" y="1513205"/>
-            <a:ext cx="9773920" cy="1383665"/>
-          </a:xfrm>
-          <a:prstGeom prst="rect">
-            <a:avLst/>
-          </a:prstGeom>
-          <a:noFill/>
-        </p:spPr>
-        <p:txBody>
-          <a:bodyPr wrap="square" rtlCol="0">
-            <a:spAutoFit/>
-          </a:bodyPr>
-          <a:p>
-            <a:r>
-              <a:rPr lang="zh-CN" altLang="en-US" sz="2800">
-                <a:solidFill>
-                  <a:schemeClr val="bg1"/>
-                </a:solidFill>
-                <a:latin typeface="楷体" panose="02010609060101010101" charset="-122"/>
-                <a:ea typeface="楷体" panose="02010609060101010101" charset="-122"/>
-                <a:cs typeface="楷体" panose="02010609060101010101" charset="-122"/>
-              </a:rPr>
-              <a:t>JavaScript变量的独特之处在于</a:t>
-            </a:r>
-            <a:r>
-              <a:rPr lang="zh-CN" altLang="en-US" sz="2800" b="1">
-                <a:solidFill>
-                  <a:srgbClr val="00B0F0"/>
-                </a:solidFill>
-                <a:latin typeface="楷体" panose="02010609060101010101" charset="-122"/>
-                <a:ea typeface="楷体" panose="02010609060101010101" charset="-122"/>
-                <a:cs typeface="楷体" panose="02010609060101010101" charset="-122"/>
-              </a:rPr>
-              <a:t>被声明的命名标签</a:t>
-            </a:r>
-            <a:r>
-              <a:rPr lang="zh-CN" altLang="en-US" sz="2800">
-                <a:solidFill>
-                  <a:schemeClr val="bg1"/>
-                </a:solidFill>
-                <a:latin typeface="楷体" panose="02010609060101010101" charset="-122"/>
-                <a:ea typeface="楷体" panose="02010609060101010101" charset="-122"/>
-                <a:cs typeface="楷体" panose="02010609060101010101" charset="-122"/>
-              </a:rPr>
-              <a:t>上的</a:t>
-            </a:r>
-            <a:r>
-              <a:rPr lang="zh-CN" altLang="en-US" sz="2800" b="1">
-                <a:solidFill>
-                  <a:srgbClr val="00B0F0"/>
-                </a:solidFill>
-                <a:latin typeface="楷体" panose="02010609060101010101" charset="-122"/>
-                <a:ea typeface="楷体" panose="02010609060101010101" charset="-122"/>
-                <a:cs typeface="楷体" panose="02010609060101010101" charset="-122"/>
-              </a:rPr>
-              <a:t>位置信息</a:t>
-            </a:r>
-            <a:r>
-              <a:rPr lang="zh-CN" altLang="en-US" sz="2800">
-                <a:solidFill>
-                  <a:schemeClr val="bg1"/>
-                </a:solidFill>
-                <a:latin typeface="楷体" panose="02010609060101010101" charset="-122"/>
-                <a:ea typeface="楷体" panose="02010609060101010101" charset="-122"/>
-                <a:cs typeface="楷体" panose="02010609060101010101" charset="-122"/>
-              </a:rPr>
-              <a:t>可以改变成别容器所在的位置，从而表现出</a:t>
-            </a:r>
-            <a:r>
-              <a:rPr lang="zh-CN" altLang="en-US" sz="2800" b="1">
-                <a:solidFill>
-                  <a:srgbClr val="D390FE"/>
-                </a:solidFill>
-                <a:latin typeface="楷体" panose="02010609060101010101" charset="-122"/>
-                <a:ea typeface="楷体" panose="02010609060101010101" charset="-122"/>
-                <a:cs typeface="楷体" panose="02010609060101010101" charset="-122"/>
-              </a:rPr>
-              <a:t>变量对应的数据是可以改变的</a:t>
-            </a:r>
-            <a:r>
-              <a:rPr lang="zh-CN" altLang="en-US" sz="2800">
-                <a:solidFill>
-                  <a:schemeClr val="bg1"/>
-                </a:solidFill>
-                <a:latin typeface="楷体" panose="02010609060101010101" charset="-122"/>
-                <a:ea typeface="楷体" panose="02010609060101010101" charset="-122"/>
-                <a:cs typeface="楷体" panose="02010609060101010101" charset="-122"/>
-              </a:rPr>
-              <a:t>这一表象。</a:t>
-            </a:r>
-            <a:endParaRPr lang="zh-CN" altLang="en-US" sz="2800">
-              <a:solidFill>
-                <a:schemeClr val="bg1"/>
-              </a:solidFill>
-              <a:latin typeface="楷体" panose="02010609060101010101" charset="-122"/>
-              <a:ea typeface="楷体" panose="02010609060101010101" charset="-122"/>
-              <a:cs typeface="楷体" panose="02010609060101010101" charset="-122"/>
-            </a:endParaRPr>
-          </a:p>
-        </p:txBody>
-      </p:sp>
-      <p:sp>
-        <p:nvSpPr>
-          <p:cNvPr id="4" name="文本框 3"/>
-          <p:cNvSpPr txBox="1"/>
-          <p:nvPr/>
-        </p:nvSpPr>
-        <p:spPr>
-          <a:xfrm>
-            <a:off x="1132840" y="3343275"/>
-            <a:ext cx="9773920" cy="2245360"/>
-          </a:xfrm>
-          <a:prstGeom prst="rect">
-            <a:avLst/>
-          </a:prstGeom>
-          <a:noFill/>
-        </p:spPr>
-        <p:txBody>
-          <a:bodyPr wrap="square" rtlCol="0">
-            <a:spAutoFit/>
-          </a:bodyPr>
-          <a:p>
-            <a:r>
-              <a:rPr lang="zh-CN" altLang="en-US" sz="2800">
-                <a:solidFill>
-                  <a:schemeClr val="bg1"/>
-                </a:solidFill>
-                <a:latin typeface="楷体" panose="02010609060101010101" charset="-122"/>
-                <a:ea typeface="楷体" panose="02010609060101010101" charset="-122"/>
-                <a:cs typeface="楷体" panose="02010609060101010101" charset="-122"/>
-              </a:rPr>
-              <a:t>JavaScript常量是一个</a:t>
-            </a:r>
-            <a:r>
-              <a:rPr lang="zh-CN" altLang="en-US" sz="2800" b="1">
-                <a:solidFill>
-                  <a:srgbClr val="0DC3FF"/>
-                </a:solidFill>
-                <a:latin typeface="楷体" panose="02010609060101010101" charset="-122"/>
-                <a:ea typeface="楷体" panose="02010609060101010101" charset="-122"/>
-                <a:cs typeface="楷体" panose="02010609060101010101" charset="-122"/>
-              </a:rPr>
-              <a:t>不可改变位置信息的被声明的命名标签</a:t>
-            </a:r>
-            <a:r>
-              <a:rPr lang="zh-CN" altLang="en-US" sz="2800">
-                <a:solidFill>
-                  <a:schemeClr val="bg1"/>
-                </a:solidFill>
-                <a:latin typeface="楷体" panose="02010609060101010101" charset="-122"/>
-                <a:ea typeface="楷体" panose="02010609060101010101" charset="-122"/>
-                <a:cs typeface="楷体" panose="02010609060101010101" charset="-122"/>
-              </a:rPr>
-              <a:t>，但是</a:t>
-            </a:r>
-            <a:r>
-              <a:rPr lang="zh-CN" altLang="en-US" sz="2800">
-                <a:solidFill>
-                  <a:srgbClr val="0DC3FF"/>
-                </a:solidFill>
-                <a:latin typeface="楷体" panose="02010609060101010101" charset="-122"/>
-                <a:ea typeface="楷体" panose="02010609060101010101" charset="-122"/>
-                <a:cs typeface="楷体" panose="02010609060101010101" charset="-122"/>
-              </a:rPr>
-              <a:t>它所指向的容器内的</a:t>
-            </a:r>
-            <a:r>
-              <a:rPr lang="en-US" altLang="zh-CN" sz="2800">
-                <a:solidFill>
-                  <a:srgbClr val="0DC3FF"/>
-                </a:solidFill>
-                <a:latin typeface="楷体" panose="02010609060101010101" charset="-122"/>
-                <a:ea typeface="楷体" panose="02010609060101010101" charset="-122"/>
-                <a:cs typeface="楷体" panose="02010609060101010101" charset="-122"/>
-              </a:rPr>
-              <a:t>(</a:t>
-            </a:r>
-            <a:r>
-              <a:rPr lang="en-US" altLang="zh-CN" sz="2800" b="1">
-                <a:solidFill>
-                  <a:srgbClr val="D390FE"/>
-                </a:solidFill>
-                <a:latin typeface="楷体" panose="02010609060101010101" charset="-122"/>
-                <a:ea typeface="楷体" panose="02010609060101010101" charset="-122"/>
-                <a:cs typeface="楷体" panose="02010609060101010101" charset="-122"/>
-              </a:rPr>
-              <a:t>对象属性</a:t>
-            </a:r>
-            <a:r>
-              <a:rPr lang="zh-CN" altLang="en-US" sz="2800">
-                <a:solidFill>
-                  <a:srgbClr val="0DC3FF"/>
-                </a:solidFill>
-                <a:latin typeface="楷体" panose="02010609060101010101" charset="-122"/>
-                <a:ea typeface="楷体" panose="02010609060101010101" charset="-122"/>
-                <a:cs typeface="楷体" panose="02010609060101010101" charset="-122"/>
-              </a:rPr>
-              <a:t>的</a:t>
-            </a:r>
-            <a:r>
-              <a:rPr lang="en-US" altLang="zh-CN" sz="2800">
-                <a:solidFill>
-                  <a:srgbClr val="0DC3FF"/>
-                </a:solidFill>
-                <a:latin typeface="楷体" panose="02010609060101010101" charset="-122"/>
-                <a:ea typeface="楷体" panose="02010609060101010101" charset="-122"/>
-                <a:cs typeface="楷体" panose="02010609060101010101" charset="-122"/>
-              </a:rPr>
-              <a:t>)</a:t>
-            </a:r>
-            <a:r>
-              <a:rPr lang="zh-CN" altLang="en-US" sz="2800">
-                <a:solidFill>
-                  <a:srgbClr val="0DC3FF"/>
-                </a:solidFill>
-                <a:latin typeface="楷体" panose="02010609060101010101" charset="-122"/>
-                <a:ea typeface="楷体" panose="02010609060101010101" charset="-122"/>
-                <a:cs typeface="楷体" panose="02010609060101010101" charset="-122"/>
-              </a:rPr>
-              <a:t>命名标签上的位置信息可以改变</a:t>
-            </a:r>
-            <a:r>
-              <a:rPr lang="zh-CN" altLang="en-US" sz="2800">
-                <a:solidFill>
-                  <a:schemeClr val="bg1"/>
-                </a:solidFill>
-                <a:latin typeface="楷体" panose="02010609060101010101" charset="-122"/>
-                <a:ea typeface="楷体" panose="02010609060101010101" charset="-122"/>
-                <a:cs typeface="楷体" panose="02010609060101010101" charset="-122"/>
-              </a:rPr>
-              <a:t>。从而表现出</a:t>
-            </a:r>
-            <a:r>
-              <a:rPr lang="zh-CN" altLang="en-US" sz="2800" b="1">
-                <a:solidFill>
-                  <a:srgbClr val="D390FE"/>
-                </a:solidFill>
-                <a:latin typeface="楷体" panose="02010609060101010101" charset="-122"/>
-                <a:ea typeface="楷体" panose="02010609060101010101" charset="-122"/>
-                <a:cs typeface="楷体" panose="02010609060101010101" charset="-122"/>
-              </a:rPr>
-              <a:t>常量对应的原始类型的数据是不可改变的，但引用类型的数据中对象属性是可以改变的</a:t>
-            </a:r>
-            <a:r>
-              <a:rPr lang="zh-CN" altLang="en-US" sz="2800">
-                <a:solidFill>
-                  <a:schemeClr val="bg1"/>
-                </a:solidFill>
-                <a:latin typeface="楷体" panose="02010609060101010101" charset="-122"/>
-                <a:ea typeface="楷体" panose="02010609060101010101" charset="-122"/>
-                <a:cs typeface="楷体" panose="02010609060101010101" charset="-122"/>
-              </a:rPr>
-              <a:t>这一表象。</a:t>
-            </a:r>
-            <a:endParaRPr lang="zh-CN" altLang="en-US" sz="2800">
-              <a:solidFill>
-                <a:schemeClr val="bg1"/>
-              </a:solidFill>
-              <a:latin typeface="楷体" panose="02010609060101010101" charset="-122"/>
-              <a:ea typeface="楷体" panose="02010609060101010101" charset="-122"/>
-              <a:cs typeface="楷体" panose="02010609060101010101" charset="-122"/>
-            </a:endParaRPr>
-          </a:p>
-        </p:txBody>
-      </p:sp>
-    </p:spTree>
-  </p:cSld>
-  <p:clrMapOvr>
-    <a:masterClrMapping/>
-  </p:clrMapOvr>
-  <mc:AlternateContent xmlns:mc="http://schemas.openxmlformats.org/markup-compatibility/2006" xmlns:p159="http://schemas.microsoft.com/office/powerpoint/2015/09/main">
-    <mc:Choice Requires="p159">
-      <p:transition xmlns:p14="http://schemas.microsoft.com/office/powerpoint/2010/main" spd="slow" p14:dur="2000">
-        <p159:morph option="byObject"/>
-      </p:transition>
-    </mc:Choice>
-    <mc:Fallback>
-      <p:transition spd="slow">
-        <p:fade/>
-      </p:transition>
-    </mc:Fallback>
-  </mc:AlternateContent>
-  <p:timing>
-    <p:tnLst>
-      <p:par>
-        <p:cTn id="1" dur="indefinite" restart="never" nodeType="tmRoot">
-          <p:childTnLst>
-            <p:seq concurrent="1" nextAc="seek">
-              <p:cTn id="2" dur="indefinite" nodeType="mainSeq">
-                <p:childTnLst>
-                  <p:par>
-                    <p:cTn id="3" fill="hold">
-                      <p:stCondLst>
-                        <p:cond delay="indefinite"/>
-                      </p:stCondLst>
-                      <p:childTnLst>
-                        <p:par>
-                          <p:cTn id="4" fill="hold">
-                            <p:stCondLst>
-                              <p:cond delay="0"/>
-                            </p:stCondLst>
-                            <p:childTnLst>
-                              <p:par>
-                                <p:cTn id="5" presetID="29" presetClass="entr" presetSubtype="0" fill="hold" grpId="0" nodeType="clickEffect">
-                                  <p:stCondLst>
-                                    <p:cond delay="0"/>
-                                  </p:stCondLst>
-                                  <p:childTnLst>
-                                    <p:set>
-                                      <p:cBhvr>
-                                        <p:cTn id="6" dur="1" fill="hold">
-                                          <p:stCondLst>
-                                            <p:cond delay="0"/>
-                                          </p:stCondLst>
-                                        </p:cTn>
-                                        <p:tgtEl>
-                                          <p:spTgt spid="3"/>
-                                        </p:tgtEl>
-                                        <p:attrNameLst>
-                                          <p:attrName>style.visibility</p:attrName>
-                                        </p:attrNameLst>
-                                      </p:cBhvr>
-                                      <p:to>
-                                        <p:strVal val="visible"/>
-                                      </p:to>
-                                    </p:set>
-                                    <p:anim calcmode="lin" valueType="num">
-                                      <p:cBhvr>
-                                        <p:cTn id="7" dur="1000" fill="hold"/>
-                                        <p:tgtEl>
-                                          <p:spTgt spid="3"/>
-                                        </p:tgtEl>
-                                        <p:attrNameLst>
-                                          <p:attrName>ppt_x</p:attrName>
-                                        </p:attrNameLst>
-                                      </p:cBhvr>
-                                      <p:tavLst>
-                                        <p:tav tm="0">
-                                          <p:val>
-                                            <p:strVal val="#ppt_x-.2"/>
-                                          </p:val>
-                                        </p:tav>
-                                        <p:tav tm="100000">
-                                          <p:val>
-                                            <p:strVal val="#ppt_x"/>
-                                          </p:val>
-                                        </p:tav>
-                                      </p:tavLst>
-                                    </p:anim>
-                                    <p:anim calcmode="lin" valueType="num">
-                                      <p:cBhvr>
-                                        <p:cTn id="8" dur="1000" fill="hold"/>
-                                        <p:tgtEl>
-                                          <p:spTgt spid="3"/>
-                                        </p:tgtEl>
-                                        <p:attrNameLst>
-                                          <p:attrName>ppt_y</p:attrName>
-                                        </p:attrNameLst>
-                                      </p:cBhvr>
-                                      <p:tavLst>
-                                        <p:tav tm="0">
-                                          <p:val>
-                                            <p:strVal val="#ppt_y"/>
-                                          </p:val>
-                                        </p:tav>
-                                        <p:tav tm="100000">
-                                          <p:val>
-                                            <p:strVal val="#ppt_y"/>
-                                          </p:val>
-                                        </p:tav>
-                                      </p:tavLst>
-                                    </p:anim>
-                                    <p:animEffect transition="in" filter="wipe(right)" prLst="gradientSize: 0.1">
-                                      <p:cBhvr>
-                                        <p:cTn id="9" dur="1000"/>
-                                        <p:tgtEl>
-                                          <p:spTgt spid="3"/>
-                                        </p:tgtEl>
-                                      </p:cBhvr>
-                                    </p:animEffect>
-                                  </p:childTnLst>
-                                </p:cTn>
-                              </p:par>
-                              <p:par>
-                                <p:cTn id="10" presetID="29" presetClass="entr" presetSubtype="0" fill="hold" grpId="0" nodeType="withEffect">
-                                  <p:stCondLst>
-                                    <p:cond delay="0"/>
-                                  </p:stCondLst>
-                                  <p:childTnLst>
-                                    <p:set>
-                                      <p:cBhvr>
-                                        <p:cTn id="11" dur="1" fill="hold">
-                                          <p:stCondLst>
-                                            <p:cond delay="0"/>
-                                          </p:stCondLst>
-                                        </p:cTn>
-                                        <p:tgtEl>
-                                          <p:spTgt spid="4"/>
-                                        </p:tgtEl>
-                                        <p:attrNameLst>
-                                          <p:attrName>style.visibility</p:attrName>
-                                        </p:attrNameLst>
-                                      </p:cBhvr>
-                                      <p:to>
-                                        <p:strVal val="visible"/>
-                                      </p:to>
-                                    </p:set>
-                                    <p:anim calcmode="lin" valueType="num">
-                                      <p:cBhvr>
-                                        <p:cTn id="12" dur="1000" fill="hold"/>
-                                        <p:tgtEl>
-                                          <p:spTgt spid="4"/>
-                                        </p:tgtEl>
-                                        <p:attrNameLst>
-                                          <p:attrName>ppt_x</p:attrName>
-                                        </p:attrNameLst>
-                                      </p:cBhvr>
-                                      <p:tavLst>
-                                        <p:tav tm="0">
-                                          <p:val>
-                                            <p:strVal val="#ppt_x-.2"/>
-                                          </p:val>
-                                        </p:tav>
-                                        <p:tav tm="100000">
-                                          <p:val>
-                                            <p:strVal val="#ppt_x"/>
-                                          </p:val>
-                                        </p:tav>
-                                      </p:tavLst>
-                                    </p:anim>
-                                    <p:anim calcmode="lin" valueType="num">
-                                      <p:cBhvr>
-                                        <p:cTn id="13" dur="1000" fill="hold"/>
-                                        <p:tgtEl>
-                                          <p:spTgt spid="4"/>
-                                        </p:tgtEl>
-                                        <p:attrNameLst>
-                                          <p:attrName>ppt_y</p:attrName>
-                                        </p:attrNameLst>
-                                      </p:cBhvr>
-                                      <p:tavLst>
-                                        <p:tav tm="0">
-                                          <p:val>
-                                            <p:strVal val="#ppt_y"/>
-                                          </p:val>
-                                        </p:tav>
-                                        <p:tav tm="100000">
-                                          <p:val>
-                                            <p:strVal val="#ppt_y"/>
-                                          </p:val>
-                                        </p:tav>
-                                      </p:tavLst>
-                                    </p:anim>
-                                    <p:animEffect transition="in" filter="wipe(right)" prLst="gradientSize: 0.1">
-                                      <p:cBhvr>
-                                        <p:cTn id="14" dur="1000"/>
-                                        <p:tgtEl>
-                                          <p:spTgt spid="4"/>
-                                        </p:tgtEl>
-                                      </p:cBhvr>
-                                    </p:animEffect>
-                                  </p:childTnLst>
-                                </p:cTn>
-                              </p:par>
-                            </p:childTnLst>
-                          </p:cTn>
-                        </p:par>
-                      </p:childTnLst>
-                    </p:cTn>
-                  </p:par>
-                </p:childTnLst>
-              </p:cTn>
-              <p:prevCondLst>
-                <p:cond evt="onPrev" delay="0">
-                  <p:tgtEl>
-                    <p:sldTgt/>
-                  </p:tgtEl>
-                </p:cond>
-              </p:prevCondLst>
-              <p:nextCondLst>
-                <p:cond evt="onNext" delay="0">
-                  <p:tgtEl>
-                    <p:sldTgt/>
-                  </p:tgtEl>
-                </p:cond>
-              </p:nextCondLst>
-            </p:seq>
-          </p:childTnLst>
-        </p:cTn>
-      </p:par>
-    </p:tnLst>
-    <p:bldLst>
-      <p:bldP spid="3" grpId="0"/>
-      <p:bldP spid="4" grpId="0"/>
-    </p:bldLst>
-  </p:timing>
-</p:sld>
-</file>
-
-<file path=ppt/slides/slide4.xml><?xml version="1.0" encoding="utf-8"?>
+<file path=ppt/slides/slide5.xml><?xml version="1.0" encoding="utf-8"?>
 <p:sld xmlns:a="http://schemas.openxmlformats.org/drawingml/2006/main" xmlns:r="http://schemas.openxmlformats.org/officeDocument/2006/relationships" xmlns:p="http://schemas.openxmlformats.org/presentationml/2006/main">
   <p:cSld>
     <p:bg>
@@ -6546,7 +6942,7 @@
 </p:sld>
 </file>
 
-<file path=ppt/slides/slide5.xml><?xml version="1.0" encoding="utf-8"?>
+<file path=ppt/slides/slide6.xml><?xml version="1.0" encoding="utf-8"?>
 <p:sld xmlns:a="http://schemas.openxmlformats.org/drawingml/2006/main" xmlns:r="http://schemas.openxmlformats.org/officeDocument/2006/relationships" xmlns:p="http://schemas.openxmlformats.org/presentationml/2006/main">
   <p:cSld>
     <p:bg>
@@ -8636,7 +9032,7 @@
 </p:sld>
 </file>
 
-<file path=ppt/slides/slide6.xml><?xml version="1.0" encoding="utf-8"?>
+<file path=ppt/slides/slide7.xml><?xml version="1.0" encoding="utf-8"?>
 <p:sld xmlns:a="http://schemas.openxmlformats.org/drawingml/2006/main" xmlns:r="http://schemas.openxmlformats.org/officeDocument/2006/relationships" xmlns:p="http://schemas.openxmlformats.org/presentationml/2006/main">
   <p:cSld>
     <p:bg>
@@ -10578,6 +10974,805 @@
     </p:tnLst>
     <p:bldLst>
       <p:bldP spid="22" grpId="0" animBg="1"/>
+    </p:bldLst>
+  </p:timing>
+</p:sld>
+</file>
+
+<file path=ppt/slides/slide8.xml><?xml version="1.0" encoding="utf-8"?>
+<p:sld xmlns:a="http://schemas.openxmlformats.org/drawingml/2006/main" xmlns:r="http://schemas.openxmlformats.org/officeDocument/2006/relationships" xmlns:p="http://schemas.openxmlformats.org/presentationml/2006/main">
+  <p:cSld>
+    <p:bg>
+      <p:bgPr>
+        <a:solidFill>
+          <a:srgbClr val="191422"/>
+        </a:solidFill>
+        <a:effectLst/>
+      </p:bgPr>
+    </p:bg>
+    <p:spTree>
+      <p:nvGrpSpPr>
+        <p:cNvPr id="1" name=""/>
+        <p:cNvGrpSpPr/>
+        <p:nvPr/>
+      </p:nvGrpSpPr>
+      <p:grpSpPr/>
+      <p:sp>
+        <p:nvSpPr>
+          <p:cNvPr id="3" name="文本框 2"/>
+          <p:cNvSpPr txBox="1"/>
+          <p:nvPr/>
+        </p:nvSpPr>
+        <p:spPr>
+          <a:xfrm>
+            <a:off x="1132840" y="1513205"/>
+            <a:ext cx="9773920" cy="521970"/>
+          </a:xfrm>
+          <a:prstGeom prst="rect">
+            <a:avLst/>
+          </a:prstGeom>
+          <a:noFill/>
+        </p:spPr>
+        <p:txBody>
+          <a:bodyPr wrap="square" rtlCol="0">
+            <a:spAutoFit/>
+          </a:bodyPr>
+          <a:p>
+            <a:r>
+              <a:rPr lang="zh-CN" altLang="en-US" sz="2800">
+                <a:solidFill>
+                  <a:schemeClr val="bg1"/>
+                </a:solidFill>
+                <a:latin typeface="楷体" panose="02010609060101010101" charset="-122"/>
+                <a:ea typeface="楷体" panose="02010609060101010101" charset="-122"/>
+                <a:cs typeface="楷体" panose="02010609060101010101" charset="-122"/>
+              </a:rPr>
+              <a:t>V8 中</a:t>
+            </a:r>
+            <a:r>
+              <a:rPr lang="en-US" altLang="zh-CN" sz="2800">
+                <a:solidFill>
+                  <a:schemeClr val="bg1"/>
+                </a:solidFill>
+                <a:latin typeface="楷体" panose="02010609060101010101" charset="-122"/>
+                <a:ea typeface="楷体" panose="02010609060101010101" charset="-122"/>
+                <a:cs typeface="楷体" panose="02010609060101010101" charset="-122"/>
+              </a:rPr>
+              <a:t> </a:t>
+            </a:r>
+            <a:r>
+              <a:rPr lang="zh-CN" altLang="en-US" sz="2800">
+                <a:solidFill>
+                  <a:srgbClr val="00B0F0"/>
+                </a:solidFill>
+                <a:latin typeface="楷体" panose="02010609060101010101" charset="-122"/>
+                <a:ea typeface="楷体" panose="02010609060101010101" charset="-122"/>
+                <a:cs typeface="楷体" panose="02010609060101010101" charset="-122"/>
+              </a:rPr>
+              <a:t>smi 小整数</a:t>
+            </a:r>
+            <a:r>
+              <a:rPr lang="zh-CN" altLang="en-US" sz="2800">
+                <a:solidFill>
+                  <a:schemeClr val="bg1"/>
+                </a:solidFill>
+                <a:latin typeface="楷体" panose="02010609060101010101" charset="-122"/>
+                <a:ea typeface="楷体" panose="02010609060101010101" charset="-122"/>
+                <a:cs typeface="楷体" panose="02010609060101010101" charset="-122"/>
+              </a:rPr>
+              <a:t> 是以 </a:t>
+            </a:r>
+            <a:r>
+              <a:rPr lang="zh-CN" altLang="en-US" sz="2800">
+                <a:solidFill>
+                  <a:srgbClr val="00B0F0"/>
+                </a:solidFill>
+                <a:latin typeface="楷体" panose="02010609060101010101" charset="-122"/>
+                <a:ea typeface="楷体" panose="02010609060101010101" charset="-122"/>
+                <a:cs typeface="楷体" panose="02010609060101010101" charset="-122"/>
+              </a:rPr>
+              <a:t>指针标记</a:t>
+            </a:r>
+            <a:r>
+              <a:rPr lang="zh-CN" altLang="en-US" sz="2800">
+                <a:solidFill>
+                  <a:schemeClr val="bg1"/>
+                </a:solidFill>
+                <a:latin typeface="楷体" panose="02010609060101010101" charset="-122"/>
+                <a:ea typeface="楷体" panose="02010609060101010101" charset="-122"/>
+                <a:cs typeface="楷体" panose="02010609060101010101" charset="-122"/>
+              </a:rPr>
+              <a:t> 的形式直接存储值的。</a:t>
+            </a:r>
+            <a:endParaRPr lang="zh-CN" altLang="en-US" sz="2800">
+              <a:solidFill>
+                <a:schemeClr val="bg1"/>
+              </a:solidFill>
+              <a:latin typeface="楷体" panose="02010609060101010101" charset="-122"/>
+              <a:ea typeface="楷体" panose="02010609060101010101" charset="-122"/>
+              <a:cs typeface="楷体" panose="02010609060101010101" charset="-122"/>
+            </a:endParaRPr>
+          </a:p>
+        </p:txBody>
+      </p:sp>
+    </p:spTree>
+  </p:cSld>
+  <p:clrMapOvr>
+    <a:masterClrMapping/>
+  </p:clrMapOvr>
+  <mc:AlternateContent xmlns:mc="http://schemas.openxmlformats.org/markup-compatibility/2006" xmlns:p159="http://schemas.microsoft.com/office/powerpoint/2015/09/main">
+    <mc:Choice Requires="p159">
+      <p:transition xmlns:p14="http://schemas.microsoft.com/office/powerpoint/2010/main" spd="slow" p14:dur="2000">
+        <p159:morph option="byObject"/>
+      </p:transition>
+    </mc:Choice>
+    <mc:Fallback>
+      <p:transition spd="slow">
+        <p:fade/>
+      </p:transition>
+    </mc:Fallback>
+  </mc:AlternateContent>
+  <p:timing>
+    <p:tnLst>
+      <p:par>
+        <p:cTn id="1" dur="indefinite" restart="never" nodeType="tmRoot">
+          <p:childTnLst>
+            <p:seq concurrent="1" nextAc="seek">
+              <p:cTn id="2" dur="indefinite" nodeType="mainSeq">
+                <p:childTnLst>
+                  <p:par>
+                    <p:cTn id="3" fill="hold">
+                      <p:stCondLst>
+                        <p:cond delay="indefinite"/>
+                        <p:cond evt="onBegin" delay="0">
+                          <p:tn val="2"/>
+                        </p:cond>
+                      </p:stCondLst>
+                      <p:childTnLst>
+                        <p:par>
+                          <p:cTn id="4" fill="hold">
+                            <p:stCondLst>
+                              <p:cond delay="0"/>
+                            </p:stCondLst>
+                            <p:childTnLst>
+                              <p:par>
+                                <p:cTn id="5" presetID="29" presetClass="entr" presetSubtype="0" fill="hold" grpId="0" nodeType="afterEffect">
+                                  <p:stCondLst>
+                                    <p:cond delay="0"/>
+                                  </p:stCondLst>
+                                  <p:childTnLst>
+                                    <p:set>
+                                      <p:cBhvr>
+                                        <p:cTn id="6" dur="1" fill="hold">
+                                          <p:stCondLst>
+                                            <p:cond delay="0"/>
+                                          </p:stCondLst>
+                                        </p:cTn>
+                                        <p:tgtEl>
+                                          <p:spTgt spid="3"/>
+                                        </p:tgtEl>
+                                        <p:attrNameLst>
+                                          <p:attrName>style.visibility</p:attrName>
+                                        </p:attrNameLst>
+                                      </p:cBhvr>
+                                      <p:to>
+                                        <p:strVal val="visible"/>
+                                      </p:to>
+                                    </p:set>
+                                    <p:anim calcmode="lin" valueType="num">
+                                      <p:cBhvr>
+                                        <p:cTn id="7" dur="1000" fill="hold"/>
+                                        <p:tgtEl>
+                                          <p:spTgt spid="3"/>
+                                        </p:tgtEl>
+                                        <p:attrNameLst>
+                                          <p:attrName>ppt_x</p:attrName>
+                                        </p:attrNameLst>
+                                      </p:cBhvr>
+                                      <p:tavLst>
+                                        <p:tav tm="0">
+                                          <p:val>
+                                            <p:strVal val="#ppt_x-.2"/>
+                                          </p:val>
+                                        </p:tav>
+                                        <p:tav tm="100000">
+                                          <p:val>
+                                            <p:strVal val="#ppt_x"/>
+                                          </p:val>
+                                        </p:tav>
+                                      </p:tavLst>
+                                    </p:anim>
+                                    <p:anim calcmode="lin" valueType="num">
+                                      <p:cBhvr>
+                                        <p:cTn id="8" dur="1000" fill="hold"/>
+                                        <p:tgtEl>
+                                          <p:spTgt spid="3"/>
+                                        </p:tgtEl>
+                                        <p:attrNameLst>
+                                          <p:attrName>ppt_y</p:attrName>
+                                        </p:attrNameLst>
+                                      </p:cBhvr>
+                                      <p:tavLst>
+                                        <p:tav tm="0">
+                                          <p:val>
+                                            <p:strVal val="#ppt_y"/>
+                                          </p:val>
+                                        </p:tav>
+                                        <p:tav tm="100000">
+                                          <p:val>
+                                            <p:strVal val="#ppt_y"/>
+                                          </p:val>
+                                        </p:tav>
+                                      </p:tavLst>
+                                    </p:anim>
+                                    <p:animEffect transition="in" filter="wipe(right)" prLst="gradientSize: 0.1">
+                                      <p:cBhvr>
+                                        <p:cTn id="9" dur="1000"/>
+                                        <p:tgtEl>
+                                          <p:spTgt spid="3"/>
+                                        </p:tgtEl>
+                                      </p:cBhvr>
+                                    </p:animEffect>
+                                  </p:childTnLst>
+                                </p:cTn>
+                              </p:par>
+                            </p:childTnLst>
+                          </p:cTn>
+                        </p:par>
+                      </p:childTnLst>
+                    </p:cTn>
+                  </p:par>
+                </p:childTnLst>
+              </p:cTn>
+              <p:prevCondLst>
+                <p:cond evt="onPrev" delay="0">
+                  <p:tgtEl>
+                    <p:sldTgt/>
+                  </p:tgtEl>
+                </p:cond>
+              </p:prevCondLst>
+              <p:nextCondLst>
+                <p:cond evt="onNext" delay="0">
+                  <p:tgtEl>
+                    <p:sldTgt/>
+                  </p:tgtEl>
+                </p:cond>
+              </p:nextCondLst>
+            </p:seq>
+          </p:childTnLst>
+        </p:cTn>
+      </p:par>
+    </p:tnLst>
+    <p:bldLst>
+      <p:bldP spid="3" grpId="0"/>
+    </p:bldLst>
+  </p:timing>
+</p:sld>
+</file>
+
+<file path=ppt/slides/slide9.xml><?xml version="1.0" encoding="utf-8"?>
+<p:sld xmlns:a="http://schemas.openxmlformats.org/drawingml/2006/main" xmlns:r="http://schemas.openxmlformats.org/officeDocument/2006/relationships" xmlns:p="http://schemas.openxmlformats.org/presentationml/2006/main">
+  <p:cSld>
+    <p:bg>
+      <p:bgPr>
+        <a:solidFill>
+          <a:srgbClr val="191422"/>
+        </a:solidFill>
+        <a:effectLst/>
+      </p:bgPr>
+    </p:bg>
+    <p:spTree>
+      <p:nvGrpSpPr>
+        <p:cNvPr id="1" name=""/>
+        <p:cNvGrpSpPr/>
+        <p:nvPr/>
+      </p:nvGrpSpPr>
+      <p:grpSpPr/>
+      <p:sp>
+        <p:nvSpPr>
+          <p:cNvPr id="3" name="文本框 2"/>
+          <p:cNvSpPr txBox="1"/>
+          <p:nvPr/>
+        </p:nvSpPr>
+        <p:spPr>
+          <a:xfrm>
+            <a:off x="1132840" y="1513205"/>
+            <a:ext cx="9773920" cy="1383665"/>
+          </a:xfrm>
+          <a:prstGeom prst="rect">
+            <a:avLst/>
+          </a:prstGeom>
+          <a:noFill/>
+        </p:spPr>
+        <p:txBody>
+          <a:bodyPr wrap="square" rtlCol="0">
+            <a:spAutoFit/>
+          </a:bodyPr>
+          <a:p>
+            <a:r>
+              <a:rPr lang="zh-CN" altLang="en-US" sz="2800">
+                <a:solidFill>
+                  <a:schemeClr val="bg1"/>
+                </a:solidFill>
+                <a:latin typeface="楷体" panose="02010609060101010101" charset="-122"/>
+                <a:ea typeface="楷体" panose="02010609060101010101" charset="-122"/>
+                <a:cs typeface="楷体" panose="02010609060101010101" charset="-122"/>
+              </a:rPr>
+              <a:t>JavaScript变量的独特之处在于</a:t>
+            </a:r>
+            <a:r>
+              <a:rPr lang="zh-CN" altLang="en-US" sz="2800" b="1">
+                <a:solidFill>
+                  <a:srgbClr val="00B0F0"/>
+                </a:solidFill>
+                <a:latin typeface="楷体" panose="02010609060101010101" charset="-122"/>
+                <a:ea typeface="楷体" panose="02010609060101010101" charset="-122"/>
+                <a:cs typeface="楷体" panose="02010609060101010101" charset="-122"/>
+              </a:rPr>
+              <a:t>被声明的命名标签</a:t>
+            </a:r>
+            <a:r>
+              <a:rPr lang="zh-CN" altLang="en-US" sz="2800">
+                <a:solidFill>
+                  <a:schemeClr val="bg1"/>
+                </a:solidFill>
+                <a:latin typeface="楷体" panose="02010609060101010101" charset="-122"/>
+                <a:ea typeface="楷体" panose="02010609060101010101" charset="-122"/>
+                <a:cs typeface="楷体" panose="02010609060101010101" charset="-122"/>
+              </a:rPr>
+              <a:t>上的</a:t>
+            </a:r>
+            <a:r>
+              <a:rPr lang="zh-CN" altLang="en-US" sz="2800" b="1">
+                <a:solidFill>
+                  <a:srgbClr val="00B0F0"/>
+                </a:solidFill>
+                <a:latin typeface="楷体" panose="02010609060101010101" charset="-122"/>
+                <a:ea typeface="楷体" panose="02010609060101010101" charset="-122"/>
+                <a:cs typeface="楷体" panose="02010609060101010101" charset="-122"/>
+              </a:rPr>
+              <a:t>位置信息</a:t>
+            </a:r>
+            <a:r>
+              <a:rPr lang="zh-CN" altLang="en-US" sz="2800">
+                <a:solidFill>
+                  <a:schemeClr val="bg1"/>
+                </a:solidFill>
+                <a:latin typeface="楷体" panose="02010609060101010101" charset="-122"/>
+                <a:ea typeface="楷体" panose="02010609060101010101" charset="-122"/>
+                <a:cs typeface="楷体" panose="02010609060101010101" charset="-122"/>
+              </a:rPr>
+              <a:t>可以改变成别容器所在的位置，从而表现出</a:t>
+            </a:r>
+            <a:r>
+              <a:rPr lang="zh-CN" altLang="en-US" sz="2800" b="1">
+                <a:solidFill>
+                  <a:srgbClr val="D390FE"/>
+                </a:solidFill>
+                <a:latin typeface="楷体" panose="02010609060101010101" charset="-122"/>
+                <a:ea typeface="楷体" panose="02010609060101010101" charset="-122"/>
+                <a:cs typeface="楷体" panose="02010609060101010101" charset="-122"/>
+              </a:rPr>
+              <a:t>变量对应的数据是可以改变的</a:t>
+            </a:r>
+            <a:r>
+              <a:rPr lang="zh-CN" altLang="en-US" sz="2800">
+                <a:solidFill>
+                  <a:schemeClr val="bg1"/>
+                </a:solidFill>
+                <a:latin typeface="楷体" panose="02010609060101010101" charset="-122"/>
+                <a:ea typeface="楷体" panose="02010609060101010101" charset="-122"/>
+                <a:cs typeface="楷体" panose="02010609060101010101" charset="-122"/>
+              </a:rPr>
+              <a:t>这一表象。</a:t>
+            </a:r>
+            <a:endParaRPr lang="zh-CN" altLang="en-US" sz="2800">
+              <a:solidFill>
+                <a:schemeClr val="bg1"/>
+              </a:solidFill>
+              <a:latin typeface="楷体" panose="02010609060101010101" charset="-122"/>
+              <a:ea typeface="楷体" panose="02010609060101010101" charset="-122"/>
+              <a:cs typeface="楷体" panose="02010609060101010101" charset="-122"/>
+            </a:endParaRPr>
+          </a:p>
+        </p:txBody>
+      </p:sp>
+      <p:sp>
+        <p:nvSpPr>
+          <p:cNvPr id="4" name="文本框 3"/>
+          <p:cNvSpPr txBox="1"/>
+          <p:nvPr/>
+        </p:nvSpPr>
+        <p:spPr>
+          <a:xfrm>
+            <a:off x="1132840" y="3343275"/>
+            <a:ext cx="9773920" cy="2245360"/>
+          </a:xfrm>
+          <a:prstGeom prst="rect">
+            <a:avLst/>
+          </a:prstGeom>
+          <a:noFill/>
+        </p:spPr>
+        <p:txBody>
+          <a:bodyPr wrap="square" rtlCol="0">
+            <a:spAutoFit/>
+          </a:bodyPr>
+          <a:p>
+            <a:r>
+              <a:rPr lang="zh-CN" altLang="en-US" sz="2800">
+                <a:solidFill>
+                  <a:schemeClr val="bg1"/>
+                </a:solidFill>
+                <a:latin typeface="楷体" panose="02010609060101010101" charset="-122"/>
+                <a:ea typeface="楷体" panose="02010609060101010101" charset="-122"/>
+                <a:cs typeface="楷体" panose="02010609060101010101" charset="-122"/>
+              </a:rPr>
+              <a:t>JavaScript常量是一个</a:t>
+            </a:r>
+            <a:r>
+              <a:rPr lang="zh-CN" altLang="en-US" sz="2800" b="1">
+                <a:solidFill>
+                  <a:srgbClr val="0DC3FF"/>
+                </a:solidFill>
+                <a:latin typeface="楷体" panose="02010609060101010101" charset="-122"/>
+                <a:ea typeface="楷体" panose="02010609060101010101" charset="-122"/>
+                <a:cs typeface="楷体" panose="02010609060101010101" charset="-122"/>
+              </a:rPr>
+              <a:t>不可改变位置信息的被声明的命名标签</a:t>
+            </a:r>
+            <a:r>
+              <a:rPr lang="zh-CN" altLang="en-US" sz="2800">
+                <a:solidFill>
+                  <a:schemeClr val="bg1"/>
+                </a:solidFill>
+                <a:latin typeface="楷体" panose="02010609060101010101" charset="-122"/>
+                <a:ea typeface="楷体" panose="02010609060101010101" charset="-122"/>
+                <a:cs typeface="楷体" panose="02010609060101010101" charset="-122"/>
+              </a:rPr>
+              <a:t>，但是</a:t>
+            </a:r>
+            <a:r>
+              <a:rPr lang="zh-CN" altLang="en-US" sz="2800">
+                <a:solidFill>
+                  <a:srgbClr val="0DC3FF"/>
+                </a:solidFill>
+                <a:latin typeface="楷体" panose="02010609060101010101" charset="-122"/>
+                <a:ea typeface="楷体" panose="02010609060101010101" charset="-122"/>
+                <a:cs typeface="楷体" panose="02010609060101010101" charset="-122"/>
+              </a:rPr>
+              <a:t>它所指向的容器内的</a:t>
+            </a:r>
+            <a:r>
+              <a:rPr lang="en-US" altLang="zh-CN" sz="2800">
+                <a:solidFill>
+                  <a:srgbClr val="0DC3FF"/>
+                </a:solidFill>
+                <a:latin typeface="楷体" panose="02010609060101010101" charset="-122"/>
+                <a:ea typeface="楷体" panose="02010609060101010101" charset="-122"/>
+                <a:cs typeface="楷体" panose="02010609060101010101" charset="-122"/>
+              </a:rPr>
+              <a:t>(</a:t>
+            </a:r>
+            <a:r>
+              <a:rPr lang="en-US" altLang="zh-CN" sz="2800" b="1">
+                <a:solidFill>
+                  <a:srgbClr val="D390FE"/>
+                </a:solidFill>
+                <a:latin typeface="楷体" panose="02010609060101010101" charset="-122"/>
+                <a:ea typeface="楷体" panose="02010609060101010101" charset="-122"/>
+                <a:cs typeface="楷体" panose="02010609060101010101" charset="-122"/>
+              </a:rPr>
+              <a:t>对象属性</a:t>
+            </a:r>
+            <a:r>
+              <a:rPr lang="zh-CN" altLang="en-US" sz="2800">
+                <a:solidFill>
+                  <a:srgbClr val="0DC3FF"/>
+                </a:solidFill>
+                <a:latin typeface="楷体" panose="02010609060101010101" charset="-122"/>
+                <a:ea typeface="楷体" panose="02010609060101010101" charset="-122"/>
+                <a:cs typeface="楷体" panose="02010609060101010101" charset="-122"/>
+              </a:rPr>
+              <a:t>的</a:t>
+            </a:r>
+            <a:r>
+              <a:rPr lang="en-US" altLang="zh-CN" sz="2800">
+                <a:solidFill>
+                  <a:srgbClr val="0DC3FF"/>
+                </a:solidFill>
+                <a:latin typeface="楷体" panose="02010609060101010101" charset="-122"/>
+                <a:ea typeface="楷体" panose="02010609060101010101" charset="-122"/>
+                <a:cs typeface="楷体" panose="02010609060101010101" charset="-122"/>
+              </a:rPr>
+              <a:t>)</a:t>
+            </a:r>
+            <a:r>
+              <a:rPr lang="zh-CN" altLang="en-US" sz="2800">
+                <a:solidFill>
+                  <a:srgbClr val="0DC3FF"/>
+                </a:solidFill>
+                <a:latin typeface="楷体" panose="02010609060101010101" charset="-122"/>
+                <a:ea typeface="楷体" panose="02010609060101010101" charset="-122"/>
+                <a:cs typeface="楷体" panose="02010609060101010101" charset="-122"/>
+              </a:rPr>
+              <a:t>命名标签上的位置信息可以改变</a:t>
+            </a:r>
+            <a:r>
+              <a:rPr lang="zh-CN" altLang="en-US" sz="2800">
+                <a:solidFill>
+                  <a:schemeClr val="bg1"/>
+                </a:solidFill>
+                <a:latin typeface="楷体" panose="02010609060101010101" charset="-122"/>
+                <a:ea typeface="楷体" panose="02010609060101010101" charset="-122"/>
+                <a:cs typeface="楷体" panose="02010609060101010101" charset="-122"/>
+              </a:rPr>
+              <a:t>。从而表现出</a:t>
+            </a:r>
+            <a:r>
+              <a:rPr lang="zh-CN" altLang="en-US" sz="2800" b="1">
+                <a:solidFill>
+                  <a:srgbClr val="D390FE"/>
+                </a:solidFill>
+                <a:latin typeface="楷体" panose="02010609060101010101" charset="-122"/>
+                <a:ea typeface="楷体" panose="02010609060101010101" charset="-122"/>
+                <a:cs typeface="楷体" panose="02010609060101010101" charset="-122"/>
+              </a:rPr>
+              <a:t>常量对应的原始类型的数据是不可改变的，但引用类型的数据中对象属性是可以改变的</a:t>
+            </a:r>
+            <a:r>
+              <a:rPr lang="zh-CN" altLang="en-US" sz="2800">
+                <a:solidFill>
+                  <a:schemeClr val="bg1"/>
+                </a:solidFill>
+                <a:latin typeface="楷体" panose="02010609060101010101" charset="-122"/>
+                <a:ea typeface="楷体" panose="02010609060101010101" charset="-122"/>
+                <a:cs typeface="楷体" panose="02010609060101010101" charset="-122"/>
+              </a:rPr>
+              <a:t>这一表象。</a:t>
+            </a:r>
+            <a:endParaRPr lang="zh-CN" altLang="en-US" sz="2800">
+              <a:solidFill>
+                <a:schemeClr val="bg1"/>
+              </a:solidFill>
+              <a:latin typeface="楷体" panose="02010609060101010101" charset="-122"/>
+              <a:ea typeface="楷体" panose="02010609060101010101" charset="-122"/>
+              <a:cs typeface="楷体" panose="02010609060101010101" charset="-122"/>
+            </a:endParaRPr>
+          </a:p>
+        </p:txBody>
+      </p:sp>
+    </p:spTree>
+  </p:cSld>
+  <p:clrMapOvr>
+    <a:masterClrMapping/>
+  </p:clrMapOvr>
+  <mc:AlternateContent xmlns:mc="http://schemas.openxmlformats.org/markup-compatibility/2006" xmlns:p159="http://schemas.microsoft.com/office/powerpoint/2015/09/main">
+    <mc:Choice Requires="p159">
+      <p:transition xmlns:p14="http://schemas.microsoft.com/office/powerpoint/2010/main" spd="slow" p14:dur="2000">
+        <p159:morph option="byObject"/>
+      </p:transition>
+    </mc:Choice>
+    <mc:Fallback>
+      <p:transition spd="slow">
+        <p:fade/>
+      </p:transition>
+    </mc:Fallback>
+  </mc:AlternateContent>
+  <p:timing>
+    <p:tnLst>
+      <p:par>
+        <p:cTn id="1" dur="indefinite" restart="never" nodeType="tmRoot">
+          <p:childTnLst>
+            <p:seq concurrent="1" nextAc="seek">
+              <p:cTn id="2" dur="indefinite" nodeType="mainSeq">
+                <p:childTnLst>
+                  <p:par>
+                    <p:cTn id="3" fill="hold">
+                      <p:stCondLst>
+                        <p:cond delay="indefinite"/>
+                        <p:cond evt="onBegin" delay="0">
+                          <p:tn val="2"/>
+                        </p:cond>
+                      </p:stCondLst>
+                      <p:childTnLst>
+                        <p:par>
+                          <p:cTn id="4" fill="hold">
+                            <p:stCondLst>
+                              <p:cond delay="0"/>
+                            </p:stCondLst>
+                            <p:childTnLst>
+                              <p:par>
+                                <p:cTn id="5" presetID="29" presetClass="entr" presetSubtype="0" fill="hold" grpId="0" nodeType="afterEffect">
+                                  <p:stCondLst>
+                                    <p:cond delay="0"/>
+                                  </p:stCondLst>
+                                  <p:childTnLst>
+                                    <p:set>
+                                      <p:cBhvr>
+                                        <p:cTn id="6" dur="1" fill="hold">
+                                          <p:stCondLst>
+                                            <p:cond delay="0"/>
+                                          </p:stCondLst>
+                                        </p:cTn>
+                                        <p:tgtEl>
+                                          <p:spTgt spid="3"/>
+                                        </p:tgtEl>
+                                        <p:attrNameLst>
+                                          <p:attrName>style.visibility</p:attrName>
+                                        </p:attrNameLst>
+                                      </p:cBhvr>
+                                      <p:to>
+                                        <p:strVal val="visible"/>
+                                      </p:to>
+                                    </p:set>
+                                    <p:anim calcmode="lin" valueType="num">
+                                      <p:cBhvr>
+                                        <p:cTn id="7" dur="1000" fill="hold"/>
+                                        <p:tgtEl>
+                                          <p:spTgt spid="3"/>
+                                        </p:tgtEl>
+                                        <p:attrNameLst>
+                                          <p:attrName>ppt_x</p:attrName>
+                                        </p:attrNameLst>
+                                      </p:cBhvr>
+                                      <p:tavLst>
+                                        <p:tav tm="0">
+                                          <p:val>
+                                            <p:strVal val="#ppt_x-.2"/>
+                                          </p:val>
+                                        </p:tav>
+                                        <p:tav tm="100000">
+                                          <p:val>
+                                            <p:strVal val="#ppt_x"/>
+                                          </p:val>
+                                        </p:tav>
+                                      </p:tavLst>
+                                    </p:anim>
+                                    <p:anim calcmode="lin" valueType="num">
+                                      <p:cBhvr>
+                                        <p:cTn id="8" dur="1000" fill="hold"/>
+                                        <p:tgtEl>
+                                          <p:spTgt spid="3"/>
+                                        </p:tgtEl>
+                                        <p:attrNameLst>
+                                          <p:attrName>ppt_y</p:attrName>
+                                        </p:attrNameLst>
+                                      </p:cBhvr>
+                                      <p:tavLst>
+                                        <p:tav tm="0">
+                                          <p:val>
+                                            <p:strVal val="#ppt_y"/>
+                                          </p:val>
+                                        </p:tav>
+                                        <p:tav tm="100000">
+                                          <p:val>
+                                            <p:strVal val="#ppt_y"/>
+                                          </p:val>
+                                        </p:tav>
+                                      </p:tavLst>
+                                    </p:anim>
+                                    <p:animEffect transition="in" filter="wipe(right)" prLst="gradientSize: 0.1">
+                                      <p:cBhvr>
+                                        <p:cTn id="9" dur="1000"/>
+                                        <p:tgtEl>
+                                          <p:spTgt spid="3"/>
+                                        </p:tgtEl>
+                                      </p:cBhvr>
+                                    </p:animEffect>
+                                  </p:childTnLst>
+                                </p:cTn>
+                              </p:par>
+                              <p:par>
+                                <p:cTn id="10" presetID="29" presetClass="entr" presetSubtype="0" fill="hold" grpId="0" nodeType="withEffect">
+                                  <p:stCondLst>
+                                    <p:cond delay="0"/>
+                                  </p:stCondLst>
+                                  <p:childTnLst>
+                                    <p:set>
+                                      <p:cBhvr>
+                                        <p:cTn id="11" dur="1" fill="hold">
+                                          <p:stCondLst>
+                                            <p:cond delay="0"/>
+                                          </p:stCondLst>
+                                        </p:cTn>
+                                        <p:tgtEl>
+                                          <p:spTgt spid="4"/>
+                                        </p:tgtEl>
+                                        <p:attrNameLst>
+                                          <p:attrName>style.visibility</p:attrName>
+                                        </p:attrNameLst>
+                                      </p:cBhvr>
+                                      <p:to>
+                                        <p:strVal val="visible"/>
+                                      </p:to>
+                                    </p:set>
+                                    <p:anim calcmode="lin" valueType="num">
+                                      <p:cBhvr>
+                                        <p:cTn id="12" dur="1000" fill="hold"/>
+                                        <p:tgtEl>
+                                          <p:spTgt spid="4"/>
+                                        </p:tgtEl>
+                                        <p:attrNameLst>
+                                          <p:attrName>ppt_x</p:attrName>
+                                        </p:attrNameLst>
+                                      </p:cBhvr>
+                                      <p:tavLst>
+                                        <p:tav tm="0">
+                                          <p:val>
+                                            <p:strVal val="#ppt_x-.2"/>
+                                          </p:val>
+                                        </p:tav>
+                                        <p:tav tm="100000">
+                                          <p:val>
+                                            <p:strVal val="#ppt_x"/>
+                                          </p:val>
+                                        </p:tav>
+                                      </p:tavLst>
+                                    </p:anim>
+                                    <p:anim calcmode="lin" valueType="num">
+                                      <p:cBhvr>
+                                        <p:cTn id="13" dur="1000" fill="hold"/>
+                                        <p:tgtEl>
+                                          <p:spTgt spid="4"/>
+                                        </p:tgtEl>
+                                        <p:attrNameLst>
+                                          <p:attrName>ppt_y</p:attrName>
+                                        </p:attrNameLst>
+                                      </p:cBhvr>
+                                      <p:tavLst>
+                                        <p:tav tm="0">
+                                          <p:val>
+                                            <p:strVal val="#ppt_y"/>
+                                          </p:val>
+                                        </p:tav>
+                                        <p:tav tm="100000">
+                                          <p:val>
+                                            <p:strVal val="#ppt_y"/>
+                                          </p:val>
+                                        </p:tav>
+                                      </p:tavLst>
+                                    </p:anim>
+                                    <p:animEffect transition="in" filter="wipe(right)" prLst="gradientSize: 0.1">
+                                      <p:cBhvr>
+                                        <p:cTn id="14" dur="1000"/>
+                                        <p:tgtEl>
+                                          <p:spTgt spid="4"/>
+                                        </p:tgtEl>
+                                      </p:cBhvr>
+                                    </p:animEffect>
+                                  </p:childTnLst>
+                                </p:cTn>
+                              </p:par>
+                            </p:childTnLst>
+                          </p:cTn>
+                        </p:par>
+                      </p:childTnLst>
+                    </p:cTn>
+                  </p:par>
+                </p:childTnLst>
+              </p:cTn>
+              <p:prevCondLst>
+                <p:cond evt="onPrev" delay="0">
+                  <p:tgtEl>
+                    <p:sldTgt/>
+                  </p:tgtEl>
+                </p:cond>
+              </p:prevCondLst>
+              <p:nextCondLst>
+                <p:cond evt="onNext" delay="0">
+                  <p:tgtEl>
+                    <p:sldTgt/>
+                  </p:tgtEl>
+                </p:cond>
+              </p:nextCondLst>
+            </p:seq>
+          </p:childTnLst>
+        </p:cTn>
+      </p:par>
+    </p:tnLst>
+    <p:bldLst>
+      <p:bldP spid="3" grpId="0"/>
+      <p:bldP spid="4" grpId="0"/>
     </p:bldLst>
   </p:timing>
 </p:sld>
